--- a/doc/workshop/codeCoupling/codeInterfaces.pptx
+++ b/doc/workshop/codeCoupling/codeInterfaces.pptx
@@ -5,7 +5,7 @@
     <p:sldMasterId id="2147483692" r:id="rId4"/>
   </p:sldMasterIdLst>
   <p:notesMasterIdLst>
-    <p:notesMasterId r:id="rId26"/>
+    <p:notesMasterId r:id="rId27"/>
   </p:notesMasterIdLst>
   <p:sldIdLst>
     <p:sldId id="256" r:id="rId5"/>
@@ -20,15 +20,16 @@
     <p:sldId id="343" r:id="rId14"/>
     <p:sldId id="341" r:id="rId15"/>
     <p:sldId id="344" r:id="rId16"/>
-    <p:sldId id="347" r:id="rId17"/>
-    <p:sldId id="345" r:id="rId18"/>
-    <p:sldId id="349" r:id="rId19"/>
-    <p:sldId id="348" r:id="rId20"/>
-    <p:sldId id="350" r:id="rId21"/>
-    <p:sldId id="351" r:id="rId22"/>
-    <p:sldId id="352" r:id="rId23"/>
-    <p:sldId id="353" r:id="rId24"/>
-    <p:sldId id="258" r:id="rId25"/>
+    <p:sldId id="355" r:id="rId17"/>
+    <p:sldId id="347" r:id="rId18"/>
+    <p:sldId id="345" r:id="rId19"/>
+    <p:sldId id="349" r:id="rId20"/>
+    <p:sldId id="348" r:id="rId21"/>
+    <p:sldId id="350" r:id="rId22"/>
+    <p:sldId id="351" r:id="rId23"/>
+    <p:sldId id="352" r:id="rId24"/>
+    <p:sldId id="353" r:id="rId25"/>
+    <p:sldId id="258" r:id="rId26"/>
   </p:sldIdLst>
   <p:sldSz cx="12192000" cy="6858000"/>
   <p:notesSz cx="6858000" cy="9144000"/>
@@ -499,7 +500,7 @@
           <a:p>
             <a:fld id="{9909992B-A26C-6A4B-AC27-2602734F2866}" type="datetimeFigureOut">
               <a:rPr lang="en-US" smtClean="0"/>
-              <a:t>7/11/24</a:t>
+              <a:t>2024-07-17</a:t>
             </a:fld>
             <a:endParaRPr lang="en-US"/>
           </a:p>
@@ -1500,7 +1501,7 @@
           <a:p>
             <a:fld id="{27CD4A3B-E186-AB40-96C6-355AF9A6FE76}" type="datetimeFigureOut">
               <a:rPr lang="en-US" smtClean="0"/>
-              <a:t>7/11/24</a:t>
+              <a:t>2024-07-17</a:t>
             </a:fld>
             <a:endParaRPr lang="en-US"/>
           </a:p>
@@ -2128,7 +2129,7 @@
           <a:p>
             <a:fld id="{27CD4A3B-E186-AB40-96C6-355AF9A6FE76}" type="datetimeFigureOut">
               <a:rPr lang="en-US" smtClean="0"/>
-              <a:t>7/11/24</a:t>
+              <a:t>2024-07-17</a:t>
             </a:fld>
             <a:endParaRPr lang="en-US"/>
           </a:p>
@@ -2460,7 +2461,7 @@
           <a:p>
             <a:fld id="{27CD4A3B-E186-AB40-96C6-355AF9A6FE76}" type="datetimeFigureOut">
               <a:rPr lang="en-US" smtClean="0"/>
-              <a:t>7/11/24</a:t>
+              <a:t>2024-07-17</a:t>
             </a:fld>
             <a:endParaRPr lang="en-US"/>
           </a:p>
@@ -2732,7 +2733,7 @@
           <a:p>
             <a:fld id="{27CD4A3B-E186-AB40-96C6-355AF9A6FE76}" type="datetimeFigureOut">
               <a:rPr lang="en-US" smtClean="0"/>
-              <a:t>7/11/24</a:t>
+              <a:t>2024-07-17</a:t>
             </a:fld>
             <a:endParaRPr lang="en-US"/>
           </a:p>
@@ -3004,7 +3005,7 @@
           <a:p>
             <a:fld id="{27CD4A3B-E186-AB40-96C6-355AF9A6FE76}" type="datetimeFigureOut">
               <a:rPr lang="en-US" smtClean="0"/>
-              <a:t>7/11/24</a:t>
+              <a:t>2024-07-17</a:t>
             </a:fld>
             <a:endParaRPr lang="en-US"/>
           </a:p>
@@ -3670,7 +3671,7 @@
           <a:p>
             <a:fld id="{27CD4A3B-E186-AB40-96C6-355AF9A6FE76}" type="datetimeFigureOut">
               <a:rPr lang="en-US" smtClean="0"/>
-              <a:t>7/11/24</a:t>
+              <a:t>2024-07-17</a:t>
             </a:fld>
             <a:endParaRPr lang="en-US"/>
           </a:p>
@@ -4009,7 +4010,7 @@
           <a:p>
             <a:fld id="{27CD4A3B-E186-AB40-96C6-355AF9A6FE76}" type="datetimeFigureOut">
               <a:rPr lang="en-US" smtClean="0"/>
-              <a:t>7/11/24</a:t>
+              <a:t>2024-07-17</a:t>
             </a:fld>
             <a:endParaRPr lang="en-US"/>
           </a:p>
@@ -4157,7 +4158,7 @@
           <a:p>
             <a:fld id="{27CD4A3B-E186-AB40-96C6-355AF9A6FE76}" type="datetimeFigureOut">
               <a:rPr lang="en-US" smtClean="0"/>
-              <a:t>7/11/24</a:t>
+              <a:t>2024-07-17</a:t>
             </a:fld>
             <a:endParaRPr lang="en-US"/>
           </a:p>
@@ -4511,7 +4512,7 @@
           <a:p>
             <a:fld id="{27CD4A3B-E186-AB40-96C6-355AF9A6FE76}" type="datetimeFigureOut">
               <a:rPr lang="en-US" smtClean="0"/>
-              <a:t>7/11/24</a:t>
+              <a:t>2024-07-17</a:t>
             </a:fld>
             <a:endParaRPr lang="en-US"/>
           </a:p>
@@ -4721,7 +4722,7 @@
           <a:p>
             <a:fld id="{27CD4A3B-E186-AB40-96C6-355AF9A6FE76}" type="datetimeFigureOut">
               <a:rPr lang="en-US" smtClean="0"/>
-              <a:t>7/11/24</a:t>
+              <a:t>2024-07-17</a:t>
             </a:fld>
             <a:endParaRPr lang="en-US"/>
           </a:p>
@@ -4988,7 +4989,7 @@
           <a:p>
             <a:fld id="{27CD4A3B-E186-AB40-96C6-355AF9A6FE76}" type="datetimeFigureOut">
               <a:rPr lang="en-US" smtClean="0"/>
-              <a:t>7/11/24</a:t>
+              <a:t>2024-07-17</a:t>
             </a:fld>
             <a:endParaRPr lang="en-US"/>
           </a:p>
@@ -5260,7 +5261,7 @@
           <a:p>
             <a:fld id="{27CD4A3B-E186-AB40-96C6-355AF9A6FE76}" type="datetimeFigureOut">
               <a:rPr lang="en-US" smtClean="0"/>
-              <a:t>7/11/24</a:t>
+              <a:t>2024-07-17</a:t>
             </a:fld>
             <a:endParaRPr lang="en-US"/>
           </a:p>
@@ -5547,7 +5548,7 @@
           <a:p>
             <a:fld id="{27CD4A3B-E186-AB40-96C6-355AF9A6FE76}" type="datetimeFigureOut">
               <a:rPr lang="en-US" smtClean="0"/>
-              <a:t>7/11/24</a:t>
+              <a:t>2024-07-17</a:t>
             </a:fld>
             <a:endParaRPr lang="en-US"/>
           </a:p>
@@ -6075,7 +6076,7 @@
             <a:fld id="{27CD4A3B-E186-AB40-96C6-355AF9A6FE76}" type="datetimeFigureOut">
               <a:rPr lang="en-US" smtClean="0"/>
               <a:pPr/>
-              <a:t>7/11/24</a:t>
+              <a:t>2024-07-17</a:t>
             </a:fld>
             <a:endParaRPr lang="en-US"/>
           </a:p>
@@ -8640,6 +8641,429 @@
           <p:cNvPr id="2" name="Title 1">
             <a:extLst>
               <a:ext uri="{FF2B5EF4-FFF2-40B4-BE49-F238E27FC236}">
+                <a16:creationId xmlns:a16="http://schemas.microsoft.com/office/drawing/2014/main" id="{6A019418-AC68-B044-DD1A-788B6EF1546A}"/>
+              </a:ext>
+            </a:extLst>
+          </p:cNvPr>
+          <p:cNvSpPr>
+            <a:spLocks noGrp="1"/>
+          </p:cNvSpPr>
+          <p:nvPr>
+            <p:ph type="title"/>
+          </p:nvPr>
+        </p:nvSpPr>
+        <p:spPr/>
+        <p:txBody>
+          <a:bodyPr/>
+          <a:lstStyle/>
+          <a:p>
+            <a:r>
+              <a:rPr lang="en-US" dirty="0"/>
+              <a:t>Using Generic Code Exercise</a:t>
+            </a:r>
+          </a:p>
+        </p:txBody>
+      </p:sp>
+      <p:sp>
+        <p:nvSpPr>
+          <p:cNvPr id="3" name="Content Placeholder 2">
+            <a:extLst>
+              <a:ext uri="{FF2B5EF4-FFF2-40B4-BE49-F238E27FC236}">
+                <a16:creationId xmlns:a16="http://schemas.microsoft.com/office/drawing/2014/main" id="{E6B87483-3166-083C-A99F-2BF9C633C19E}"/>
+              </a:ext>
+            </a:extLst>
+          </p:cNvPr>
+          <p:cNvSpPr>
+            <a:spLocks noGrp="1"/>
+          </p:cNvSpPr>
+          <p:nvPr>
+            <p:ph sz="half" idx="1"/>
+          </p:nvPr>
+        </p:nvSpPr>
+        <p:spPr>
+          <a:xfrm>
+            <a:off x="938150" y="1517478"/>
+            <a:ext cx="5081650" cy="4828951"/>
+          </a:xfrm>
+        </p:spPr>
+        <p:txBody>
+          <a:bodyPr/>
+          <a:lstStyle/>
+          <a:p>
+            <a:r>
+              <a:rPr lang="en-US" dirty="0"/>
+              <a:t>Code: projectile.py</a:t>
+            </a:r>
+          </a:p>
+          <a:p>
+            <a:r>
+              <a:rPr lang="en-US" dirty="0"/>
+              <a:t>Activity: Change model type</a:t>
+            </a:r>
+          </a:p>
+          <a:p>
+            <a:pPr lvl="1"/>
+            <a:r>
+              <a:rPr lang="en-US" dirty="0"/>
+              <a:t>From </a:t>
+            </a:r>
+            <a:r>
+              <a:rPr lang="en-US" dirty="0" err="1"/>
+              <a:t>ExternalModel</a:t>
+            </a:r>
+            <a:endParaRPr lang="en-US" dirty="0"/>
+          </a:p>
+          <a:p>
+            <a:pPr lvl="1"/>
+            <a:r>
+              <a:rPr lang="en-US" dirty="0"/>
+              <a:t>To </a:t>
+            </a:r>
+            <a:r>
+              <a:rPr lang="en-US" dirty="0" err="1"/>
+              <a:t>GenericCode</a:t>
+            </a:r>
+            <a:r>
+              <a:rPr lang="en-US" dirty="0"/>
+              <a:t> Code</a:t>
+            </a:r>
+          </a:p>
+          <a:p>
+            <a:r>
+              <a:rPr lang="en-US" dirty="0"/>
+              <a:t>Hint:</a:t>
+            </a:r>
+          </a:p>
+          <a:p>
+            <a:pPr lvl="1"/>
+            <a:r>
+              <a:rPr lang="en-US" dirty="0"/>
+              <a:t>Run projectile.py from terminal</a:t>
+            </a:r>
+          </a:p>
+          <a:p>
+            <a:pPr lvl="2"/>
+            <a:r>
+              <a:rPr lang="en-US" dirty="0"/>
+              <a:t>Tell RAVEN how to do this</a:t>
+            </a:r>
+          </a:p>
+          <a:p>
+            <a:pPr lvl="1"/>
+            <a:r>
+              <a:rPr lang="en-US" dirty="0"/>
+              <a:t>Look at example in user manual</a:t>
+            </a:r>
+          </a:p>
+          <a:p>
+            <a:r>
+              <a:rPr lang="en-US" dirty="0"/>
+              <a:t>Advanced:</a:t>
+            </a:r>
+          </a:p>
+          <a:p>
+            <a:pPr lvl="1"/>
+            <a:r>
+              <a:rPr lang="en-US" dirty="0"/>
+              <a:t>Write a new </a:t>
+            </a:r>
+            <a:r>
+              <a:rPr lang="en-US" dirty="0" err="1"/>
+              <a:t>CodeInterface</a:t>
+            </a:r>
+            <a:r>
+              <a:rPr lang="en-US" dirty="0"/>
+              <a:t> for projectile.py</a:t>
+            </a:r>
+          </a:p>
+        </p:txBody>
+      </p:sp>
+      <p:sp>
+        <p:nvSpPr>
+          <p:cNvPr id="4" name="Content Placeholder 3">
+            <a:extLst>
+              <a:ext uri="{FF2B5EF4-FFF2-40B4-BE49-F238E27FC236}">
+                <a16:creationId xmlns:a16="http://schemas.microsoft.com/office/drawing/2014/main" id="{C02884F8-393E-E03F-3E05-0441FBD93403}"/>
+              </a:ext>
+            </a:extLst>
+          </p:cNvPr>
+          <p:cNvSpPr>
+            <a:spLocks noGrp="1"/>
+          </p:cNvSpPr>
+          <p:nvPr>
+            <p:ph sz="half" idx="2"/>
+          </p:nvPr>
+        </p:nvSpPr>
+        <p:spPr>
+          <a:xfrm>
+            <a:off x="6282063" y="1125735"/>
+            <a:ext cx="5281097" cy="4606529"/>
+          </a:xfrm>
+        </p:spPr>
+        <p:txBody>
+          <a:bodyPr/>
+          <a:lstStyle/>
+          <a:p>
+            <a:r>
+              <a:rPr lang="en-US" dirty="0"/>
+              <a:t>Exercise:</a:t>
+            </a:r>
+          </a:p>
+          <a:p>
+            <a:endParaRPr lang="en-US" dirty="0"/>
+          </a:p>
+          <a:p>
+            <a:pPr marL="0" indent="0">
+              <a:buNone/>
+            </a:pPr>
+            <a:endParaRPr lang="en-US" dirty="0"/>
+          </a:p>
+          <a:p>
+            <a:r>
+              <a:rPr lang="en-US" dirty="0"/>
+              <a:t>What to change:</a:t>
+            </a:r>
+          </a:p>
+          <a:p>
+            <a:pPr lvl="1"/>
+            <a:r>
+              <a:rPr lang="en-US" dirty="0" err="1"/>
+              <a:t>Steps.MultiRun.Model</a:t>
+            </a:r>
+            <a:endParaRPr lang="en-US" dirty="0"/>
+          </a:p>
+          <a:p>
+            <a:pPr lvl="1"/>
+            <a:r>
+              <a:rPr lang="en-US" dirty="0" err="1"/>
+              <a:t>Steps.MultiRun.Input</a:t>
+            </a:r>
+            <a:endParaRPr lang="en-US" dirty="0"/>
+          </a:p>
+          <a:p>
+            <a:pPr lvl="1"/>
+            <a:r>
+              <a:rPr lang="en-US" dirty="0"/>
+              <a:t>New &lt;Files&gt; block</a:t>
+            </a:r>
+          </a:p>
+          <a:p>
+            <a:pPr lvl="1"/>
+            <a:r>
+              <a:rPr lang="en-US" dirty="0"/>
+              <a:t>Models</a:t>
+            </a:r>
+          </a:p>
+          <a:p>
+            <a:pPr lvl="2"/>
+            <a:r>
+              <a:rPr lang="en-US" dirty="0"/>
+              <a:t>Remove </a:t>
+            </a:r>
+            <a:r>
+              <a:rPr lang="en-US" dirty="0" err="1"/>
+              <a:t>ExternalModel</a:t>
+            </a:r>
+            <a:endParaRPr lang="en-US" dirty="0"/>
+          </a:p>
+          <a:p>
+            <a:pPr lvl="2"/>
+            <a:r>
+              <a:rPr lang="en-US" dirty="0"/>
+              <a:t>Add Code with “</a:t>
+            </a:r>
+            <a:r>
+              <a:rPr lang="en-US" dirty="0" err="1"/>
+              <a:t>clargs</a:t>
+            </a:r>
+            <a:r>
+              <a:rPr lang="en-US" dirty="0"/>
+              <a:t>”</a:t>
+            </a:r>
+          </a:p>
+          <a:p>
+            <a:r>
+              <a:rPr lang="en-US" dirty="0"/>
+              <a:t>Wildcard Projectile Input</a:t>
+            </a:r>
+          </a:p>
+          <a:p>
+            <a:r>
+              <a:rPr lang="en-US" dirty="0"/>
+              <a:t>See RAVEN User Manual, section 19.1</a:t>
+            </a:r>
+          </a:p>
+          <a:p>
+            <a:r>
+              <a:rPr lang="en-US" dirty="0"/>
+              <a:t>Use absolute path for executable!</a:t>
+            </a:r>
+          </a:p>
+          <a:p>
+            <a:endParaRPr lang="en-US" dirty="0"/>
+          </a:p>
+        </p:txBody>
+      </p:sp>
+      <p:sp>
+        <p:nvSpPr>
+          <p:cNvPr id="5" name="TextBox 4">
+            <a:extLst>
+              <a:ext uri="{FF2B5EF4-FFF2-40B4-BE49-F238E27FC236}">
+                <a16:creationId xmlns:a16="http://schemas.microsoft.com/office/drawing/2014/main" id="{632683DD-816B-97DE-FE2A-8C949CD8E1A7}"/>
+              </a:ext>
+            </a:extLst>
+          </p:cNvPr>
+          <p:cNvSpPr txBox="1"/>
+          <p:nvPr/>
+        </p:nvSpPr>
+        <p:spPr>
+          <a:xfrm>
+            <a:off x="6019800" y="1613565"/>
+            <a:ext cx="6036937" cy="646331"/>
+          </a:xfrm>
+          <a:prstGeom prst="rect">
+            <a:avLst/>
+          </a:prstGeom>
+          <a:solidFill>
+            <a:schemeClr val="bg1">
+              <a:lumMod val="50000"/>
+            </a:schemeClr>
+          </a:solidFill>
+        </p:spPr>
+        <p:txBody>
+          <a:bodyPr wrap="square" rtlCol="0">
+            <a:spAutoFit/>
+          </a:bodyPr>
+          <a:lstStyle/>
+          <a:p>
+            <a:r>
+              <a:rPr lang="en-US" dirty="0">
+                <a:solidFill>
+                  <a:schemeClr val="bg1"/>
+                </a:solidFill>
+                <a:latin typeface="Lucida Console" panose="020B0609040504020204" pitchFamily="49" charset="0"/>
+              </a:rPr>
+              <a:t>raven/doc/workshop/</a:t>
+            </a:r>
+            <a:r>
+              <a:rPr lang="en-US" dirty="0" err="1">
+                <a:solidFill>
+                  <a:schemeClr val="bg1"/>
+                </a:solidFill>
+                <a:latin typeface="Lucida Console" panose="020B0609040504020204" pitchFamily="49" charset="0"/>
+              </a:rPr>
+              <a:t>forwardSampling</a:t>
+            </a:r>
+            <a:r>
+              <a:rPr lang="en-US" dirty="0">
+                <a:solidFill>
+                  <a:schemeClr val="bg1"/>
+                </a:solidFill>
+                <a:latin typeface="Lucida Console" panose="020B0609040504020204" pitchFamily="49" charset="0"/>
+              </a:rPr>
+              <a:t>/</a:t>
+            </a:r>
+          </a:p>
+          <a:p>
+            <a:r>
+              <a:rPr lang="en-US" dirty="0">
+                <a:solidFill>
+                  <a:schemeClr val="bg1"/>
+                </a:solidFill>
+                <a:latin typeface="Lucida Console" panose="020B0609040504020204" pitchFamily="49" charset="0"/>
+              </a:rPr>
+              <a:t>    exercises/5_short.xml</a:t>
+            </a:r>
+          </a:p>
+        </p:txBody>
+      </p:sp>
+      <p:sp>
+        <p:nvSpPr>
+          <p:cNvPr id="7" name="TextBox 6">
+            <a:extLst>
+              <a:ext uri="{FF2B5EF4-FFF2-40B4-BE49-F238E27FC236}">
+                <a16:creationId xmlns:a16="http://schemas.microsoft.com/office/drawing/2014/main" id="{175D80A0-735D-4CDE-DF98-4D18C1B3EFC7}"/>
+              </a:ext>
+            </a:extLst>
+          </p:cNvPr>
+          <p:cNvSpPr txBox="1"/>
+          <p:nvPr/>
+        </p:nvSpPr>
+        <p:spPr>
+          <a:xfrm>
+            <a:off x="26015" y="5905260"/>
+            <a:ext cx="6635214" cy="646331"/>
+          </a:xfrm>
+          <a:prstGeom prst="rect">
+            <a:avLst/>
+          </a:prstGeom>
+          <a:noFill/>
+        </p:spPr>
+        <p:txBody>
+          <a:bodyPr wrap="none" rtlCol="0">
+            <a:spAutoFit/>
+          </a:bodyPr>
+          <a:lstStyle/>
+          <a:p>
+            <a:r>
+              <a:rPr lang="en-US" dirty="0">
+                <a:hlinkClick r:id="rId2"/>
+              </a:rPr>
+              <a:t>https://github.com/idaholab/raven/releases/tag/RAVENv3.1</a:t>
+            </a:r>
+            <a:endParaRPr lang="en-US" dirty="0"/>
+          </a:p>
+          <a:p>
+            <a:r>
+              <a:rPr lang="en-US" dirty="0"/>
+              <a:t>raven/tests/framework/</a:t>
+            </a:r>
+            <a:r>
+              <a:rPr lang="en-US" dirty="0" err="1"/>
+              <a:t>CodeInterfaceTests</a:t>
+            </a:r>
+            <a:r>
+              <a:rPr lang="en-US" dirty="0"/>
+              <a:t>/test_generic_IO.xml </a:t>
+            </a:r>
+          </a:p>
+        </p:txBody>
+      </p:sp>
+    </p:spTree>
+    <p:extLst>
+      <p:ext uri="{BB962C8B-B14F-4D97-AF65-F5344CB8AC3E}">
+        <p14:creationId xmlns:p14="http://schemas.microsoft.com/office/powerpoint/2010/main" val="2149169860"/>
+      </p:ext>
+    </p:extLst>
+  </p:cSld>
+  <p:clrMapOvr>
+    <a:masterClrMapping/>
+  </p:clrMapOvr>
+</p:sld>
+</file>
+
+<file path=ppt/slides/slide14.xml><?xml version="1.0" encoding="utf-8"?>
+<p:sld xmlns:a="http://schemas.openxmlformats.org/drawingml/2006/main" xmlns:r="http://schemas.openxmlformats.org/officeDocument/2006/relationships" xmlns:p="http://schemas.openxmlformats.org/presentationml/2006/main">
+  <p:cSld>
+    <p:spTree>
+      <p:nvGrpSpPr>
+        <p:cNvPr id="1" name=""/>
+        <p:cNvGrpSpPr/>
+        <p:nvPr/>
+      </p:nvGrpSpPr>
+      <p:grpSpPr>
+        <a:xfrm>
+          <a:off x="0" y="0"/>
+          <a:ext cx="0" cy="0"/>
+          <a:chOff x="0" y="0"/>
+          <a:chExt cx="0" cy="0"/>
+        </a:xfrm>
+      </p:grpSpPr>
+      <p:sp>
+        <p:nvSpPr>
+          <p:cNvPr id="2" name="Title 1">
+            <a:extLst>
+              <a:ext uri="{FF2B5EF4-FFF2-40B4-BE49-F238E27FC236}">
                 <a16:creationId xmlns:a16="http://schemas.microsoft.com/office/drawing/2014/main" id="{F8EF558F-1B88-A484-4B8D-265146A809C9}"/>
               </a:ext>
             </a:extLst>
@@ -8746,7 +9170,7 @@
 </p:sld>
 </file>
 
-<file path=ppt/slides/slide14.xml><?xml version="1.0" encoding="utf-8"?>
+<file path=ppt/slides/slide15.xml><?xml version="1.0" encoding="utf-8"?>
 <p:sld xmlns:a="http://schemas.openxmlformats.org/drawingml/2006/main" xmlns:r="http://schemas.openxmlformats.org/officeDocument/2006/relationships" xmlns:p="http://schemas.openxmlformats.org/presentationml/2006/main">
   <p:cSld>
     <p:spTree>
@@ -10761,7 +11185,7 @@
 </p:sld>
 </file>
 
-<file path=ppt/slides/slide15.xml><?xml version="1.0" encoding="utf-8"?>
+<file path=ppt/slides/slide16.xml><?xml version="1.0" encoding="utf-8"?>
 <p:sld xmlns:a="http://schemas.openxmlformats.org/drawingml/2006/main" xmlns:r="http://schemas.openxmlformats.org/officeDocument/2006/relationships" xmlns:p="http://schemas.openxmlformats.org/presentationml/2006/main">
   <p:cSld>
     <p:spTree>
@@ -11228,7 +11652,7 @@
 </p:sld>
 </file>
 
-<file path=ppt/slides/slide16.xml><?xml version="1.0" encoding="utf-8"?>
+<file path=ppt/slides/slide17.xml><?xml version="1.0" encoding="utf-8"?>
 <p:sld xmlns:a="http://schemas.openxmlformats.org/drawingml/2006/main" xmlns:r="http://schemas.openxmlformats.org/officeDocument/2006/relationships" xmlns:p="http://schemas.openxmlformats.org/presentationml/2006/main">
   <p:cSld>
     <p:spTree>
@@ -11570,7 +11994,7 @@
 </p:sld>
 </file>
 
-<file path=ppt/slides/slide17.xml><?xml version="1.0" encoding="utf-8"?>
+<file path=ppt/slides/slide18.xml><?xml version="1.0" encoding="utf-8"?>
 <p:sld xmlns:a="http://schemas.openxmlformats.org/drawingml/2006/main" xmlns:r="http://schemas.openxmlformats.org/officeDocument/2006/relationships" xmlns:p="http://schemas.openxmlformats.org/presentationml/2006/main">
   <p:cSld>
     <p:spTree>
@@ -11858,7 +12282,7 @@
 </p:sld>
 </file>
 
-<file path=ppt/slides/slide18.xml><?xml version="1.0" encoding="utf-8"?>
+<file path=ppt/slides/slide19.xml><?xml version="1.0" encoding="utf-8"?>
 <p:sld xmlns:a="http://schemas.openxmlformats.org/drawingml/2006/main" xmlns:r="http://schemas.openxmlformats.org/officeDocument/2006/relationships" xmlns:p="http://schemas.openxmlformats.org/presentationml/2006/main">
   <p:cSld>
     <p:spTree>
@@ -12676,7 +13100,167 @@
 </p:sld>
 </file>
 
-<file path=ppt/slides/slide19.xml><?xml version="1.0" encoding="utf-8"?>
+<file path=ppt/slides/slide2.xml><?xml version="1.0" encoding="utf-8"?>
+<p:sld xmlns:a="http://schemas.openxmlformats.org/drawingml/2006/main" xmlns:r="http://schemas.openxmlformats.org/officeDocument/2006/relationships" xmlns:p="http://schemas.openxmlformats.org/presentationml/2006/main">
+  <p:cSld>
+    <p:spTree>
+      <p:nvGrpSpPr>
+        <p:cNvPr id="1" name=""/>
+        <p:cNvGrpSpPr/>
+        <p:nvPr/>
+      </p:nvGrpSpPr>
+      <p:grpSpPr>
+        <a:xfrm>
+          <a:off x="0" y="0"/>
+          <a:ext cx="0" cy="0"/>
+          <a:chOff x="0" y="0"/>
+          <a:chExt cx="0" cy="0"/>
+        </a:xfrm>
+      </p:grpSpPr>
+      <p:sp>
+        <p:nvSpPr>
+          <p:cNvPr id="70658" name="Rectangle 2"/>
+          <p:cNvSpPr>
+            <a:spLocks noGrp="1" noChangeArrowheads="1"/>
+          </p:cNvSpPr>
+          <p:nvPr>
+            <p:ph type="title"/>
+          </p:nvPr>
+        </p:nvSpPr>
+        <p:spPr>
+          <a:xfrm>
+            <a:off x="938150" y="578248"/>
+            <a:ext cx="8231187" cy="377026"/>
+          </a:xfrm>
+        </p:spPr>
+        <p:txBody>
+          <a:bodyPr/>
+          <a:lstStyle/>
+          <a:p>
+            <a:r>
+              <a:rPr lang="en-US" dirty="0"/>
+              <a:t>Objectives</a:t>
+            </a:r>
+          </a:p>
+        </p:txBody>
+      </p:sp>
+      <p:sp>
+        <p:nvSpPr>
+          <p:cNvPr id="70659" name="Rectangle 3"/>
+          <p:cNvSpPr>
+            <a:spLocks noGrp="1" noChangeArrowheads="1"/>
+          </p:cNvSpPr>
+          <p:nvPr>
+            <p:ph type="body" idx="1"/>
+          </p:nvPr>
+        </p:nvSpPr>
+        <p:spPr>
+          <a:xfrm>
+            <a:off x="938150" y="1253331"/>
+            <a:ext cx="10415649" cy="4351338"/>
+          </a:xfrm>
+        </p:spPr>
+        <p:txBody>
+          <a:bodyPr/>
+          <a:lstStyle/>
+          <a:p>
+            <a:pPr>
+              <a:lnSpc>
+                <a:spcPct val="150000"/>
+              </a:lnSpc>
+            </a:pPr>
+            <a:r>
+              <a:rPr lang="en-US" dirty="0"/>
+              <a:t>Learn about how RAVEN interacts with codes</a:t>
+            </a:r>
+          </a:p>
+          <a:p>
+            <a:pPr>
+              <a:lnSpc>
+                <a:spcPct val="150000"/>
+              </a:lnSpc>
+            </a:pPr>
+            <a:r>
+              <a:rPr lang="en-US" dirty="0"/>
+              <a:t>Learn about existing Code Interfaces</a:t>
+            </a:r>
+          </a:p>
+          <a:p>
+            <a:pPr>
+              <a:lnSpc>
+                <a:spcPct val="150000"/>
+              </a:lnSpc>
+            </a:pPr>
+            <a:r>
+              <a:rPr lang="en-US" dirty="0"/>
+              <a:t>Learn about the Generic Code interface</a:t>
+            </a:r>
+          </a:p>
+          <a:p>
+            <a:pPr>
+              <a:lnSpc>
+                <a:spcPct val="150000"/>
+              </a:lnSpc>
+            </a:pPr>
+            <a:r>
+              <a:rPr lang="en-US" dirty="0"/>
+              <a:t>See how to create new Code Interfaces</a:t>
+            </a:r>
+          </a:p>
+          <a:p>
+            <a:pPr>
+              <a:lnSpc>
+                <a:spcPct val="150000"/>
+              </a:lnSpc>
+            </a:pPr>
+            <a:r>
+              <a:rPr lang="en-US" dirty="0"/>
+              <a:t>Learn how to decide what interface to use for new codes</a:t>
+            </a:r>
+          </a:p>
+          <a:p>
+            <a:pPr>
+              <a:lnSpc>
+                <a:spcPct val="150000"/>
+              </a:lnSpc>
+            </a:pPr>
+            <a:endParaRPr lang="en-US" dirty="0"/>
+          </a:p>
+          <a:p>
+            <a:pPr>
+              <a:lnSpc>
+                <a:spcPct val="150000"/>
+              </a:lnSpc>
+            </a:pPr>
+            <a:endParaRPr lang="en-US" dirty="0"/>
+          </a:p>
+          <a:p>
+            <a:pPr>
+              <a:lnSpc>
+                <a:spcPct val="150000"/>
+              </a:lnSpc>
+            </a:pPr>
+            <a:endParaRPr lang="en-US" dirty="0"/>
+          </a:p>
+          <a:p>
+            <a:pPr>
+              <a:lnSpc>
+                <a:spcPct val="150000"/>
+              </a:lnSpc>
+            </a:pPr>
+            <a:endParaRPr lang="en-US" dirty="0"/>
+          </a:p>
+        </p:txBody>
+      </p:sp>
+    </p:spTree>
+  </p:cSld>
+  <p:clrMapOvr>
+    <a:masterClrMapping/>
+  </p:clrMapOvr>
+</p:sld>
+</file>
+
+<file path=ppt/slides/slide20.xml><?xml version="1.0" encoding="utf-8"?>
 <p:sld xmlns:a="http://schemas.openxmlformats.org/drawingml/2006/main" xmlns:r="http://schemas.openxmlformats.org/officeDocument/2006/relationships" xmlns:p="http://schemas.openxmlformats.org/presentationml/2006/main">
   <p:cSld>
     <p:spTree>
@@ -13334,167 +13918,7 @@
 </p:sld>
 </file>
 
-<file path=ppt/slides/slide2.xml><?xml version="1.0" encoding="utf-8"?>
-<p:sld xmlns:a="http://schemas.openxmlformats.org/drawingml/2006/main" xmlns:r="http://schemas.openxmlformats.org/officeDocument/2006/relationships" xmlns:p="http://schemas.openxmlformats.org/presentationml/2006/main">
-  <p:cSld>
-    <p:spTree>
-      <p:nvGrpSpPr>
-        <p:cNvPr id="1" name=""/>
-        <p:cNvGrpSpPr/>
-        <p:nvPr/>
-      </p:nvGrpSpPr>
-      <p:grpSpPr>
-        <a:xfrm>
-          <a:off x="0" y="0"/>
-          <a:ext cx="0" cy="0"/>
-          <a:chOff x="0" y="0"/>
-          <a:chExt cx="0" cy="0"/>
-        </a:xfrm>
-      </p:grpSpPr>
-      <p:sp>
-        <p:nvSpPr>
-          <p:cNvPr id="70658" name="Rectangle 2"/>
-          <p:cNvSpPr>
-            <a:spLocks noGrp="1" noChangeArrowheads="1"/>
-          </p:cNvSpPr>
-          <p:nvPr>
-            <p:ph type="title"/>
-          </p:nvPr>
-        </p:nvSpPr>
-        <p:spPr>
-          <a:xfrm>
-            <a:off x="938150" y="578248"/>
-            <a:ext cx="8231187" cy="377026"/>
-          </a:xfrm>
-        </p:spPr>
-        <p:txBody>
-          <a:bodyPr/>
-          <a:lstStyle/>
-          <a:p>
-            <a:r>
-              <a:rPr lang="en-US" dirty="0"/>
-              <a:t>Objectives</a:t>
-            </a:r>
-          </a:p>
-        </p:txBody>
-      </p:sp>
-      <p:sp>
-        <p:nvSpPr>
-          <p:cNvPr id="70659" name="Rectangle 3"/>
-          <p:cNvSpPr>
-            <a:spLocks noGrp="1" noChangeArrowheads="1"/>
-          </p:cNvSpPr>
-          <p:nvPr>
-            <p:ph type="body" idx="1"/>
-          </p:nvPr>
-        </p:nvSpPr>
-        <p:spPr>
-          <a:xfrm>
-            <a:off x="938150" y="1253331"/>
-            <a:ext cx="10415649" cy="4351338"/>
-          </a:xfrm>
-        </p:spPr>
-        <p:txBody>
-          <a:bodyPr/>
-          <a:lstStyle/>
-          <a:p>
-            <a:pPr>
-              <a:lnSpc>
-                <a:spcPct val="150000"/>
-              </a:lnSpc>
-            </a:pPr>
-            <a:r>
-              <a:rPr lang="en-US" dirty="0"/>
-              <a:t>Learn about how RAVEN interacts with codes</a:t>
-            </a:r>
-          </a:p>
-          <a:p>
-            <a:pPr>
-              <a:lnSpc>
-                <a:spcPct val="150000"/>
-              </a:lnSpc>
-            </a:pPr>
-            <a:r>
-              <a:rPr lang="en-US" dirty="0"/>
-              <a:t>Learn about existing Code Interfaces</a:t>
-            </a:r>
-          </a:p>
-          <a:p>
-            <a:pPr>
-              <a:lnSpc>
-                <a:spcPct val="150000"/>
-              </a:lnSpc>
-            </a:pPr>
-            <a:r>
-              <a:rPr lang="en-US" dirty="0"/>
-              <a:t>Learn about the Generic Code interface</a:t>
-            </a:r>
-          </a:p>
-          <a:p>
-            <a:pPr>
-              <a:lnSpc>
-                <a:spcPct val="150000"/>
-              </a:lnSpc>
-            </a:pPr>
-            <a:r>
-              <a:rPr lang="en-US" dirty="0"/>
-              <a:t>See how to create new Code Interfaces</a:t>
-            </a:r>
-          </a:p>
-          <a:p>
-            <a:pPr>
-              <a:lnSpc>
-                <a:spcPct val="150000"/>
-              </a:lnSpc>
-            </a:pPr>
-            <a:r>
-              <a:rPr lang="en-US" dirty="0"/>
-              <a:t>Learn how to decide what interface to use for new codes</a:t>
-            </a:r>
-          </a:p>
-          <a:p>
-            <a:pPr>
-              <a:lnSpc>
-                <a:spcPct val="150000"/>
-              </a:lnSpc>
-            </a:pPr>
-            <a:endParaRPr lang="en-US" dirty="0"/>
-          </a:p>
-          <a:p>
-            <a:pPr>
-              <a:lnSpc>
-                <a:spcPct val="150000"/>
-              </a:lnSpc>
-            </a:pPr>
-            <a:endParaRPr lang="en-US" dirty="0"/>
-          </a:p>
-          <a:p>
-            <a:pPr>
-              <a:lnSpc>
-                <a:spcPct val="150000"/>
-              </a:lnSpc>
-            </a:pPr>
-            <a:endParaRPr lang="en-US" dirty="0"/>
-          </a:p>
-          <a:p>
-            <a:pPr>
-              <a:lnSpc>
-                <a:spcPct val="150000"/>
-              </a:lnSpc>
-            </a:pPr>
-            <a:endParaRPr lang="en-US" dirty="0"/>
-          </a:p>
-        </p:txBody>
-      </p:sp>
-    </p:spTree>
-  </p:cSld>
-  <p:clrMapOvr>
-    <a:masterClrMapping/>
-  </p:clrMapOvr>
-</p:sld>
-</file>
-
-<file path=ppt/slides/slide20.xml><?xml version="1.0" encoding="utf-8"?>
+<file path=ppt/slides/slide21.xml><?xml version="1.0" encoding="utf-8"?>
 <p:sld xmlns:a="http://schemas.openxmlformats.org/drawingml/2006/main" xmlns:r="http://schemas.openxmlformats.org/officeDocument/2006/relationships" xmlns:p="http://schemas.openxmlformats.org/presentationml/2006/main">
   <p:cSld>
     <p:spTree>
@@ -14337,7 +14761,7 @@
 </p:sld>
 </file>
 
-<file path=ppt/slides/slide21.xml><?xml version="1.0" encoding="utf-8"?>
+<file path=ppt/slides/slide22.xml><?xml version="1.0" encoding="utf-8"?>
 <p:sld xmlns:a="http://schemas.openxmlformats.org/drawingml/2006/main" xmlns:r="http://schemas.openxmlformats.org/officeDocument/2006/relationships" xmlns:p="http://schemas.openxmlformats.org/presentationml/2006/main">
   <p:cSld>
     <p:spTree>
@@ -17849,6 +18273,12 @@
 </file>
 
 <file path=customXml/item2.xml><?xml version="1.0" encoding="utf-8"?>
+<p:properties xmlns:p="http://schemas.microsoft.com/office/2006/metadata/properties" xmlns:xsi="http://www.w3.org/2001/XMLSchema-instance" xmlns:pc="http://schemas.microsoft.com/office/infopath/2007/PartnerControls">
+  <documentManagement/>
+</p:properties>
+</file>
+
+<file path=customXml/item3.xml><?xml version="1.0" encoding="utf-8"?>
 <ct:contentTypeSchema xmlns:ct="http://schemas.microsoft.com/office/2006/metadata/contentType" xmlns:ma="http://schemas.microsoft.com/office/2006/metadata/properties/metaAttributes" ct:_="" ma:_="" ma:contentTypeName="Document" ma:contentTypeID="0x0101004404969E66C47D43B72D976B0F2EDCB6" ma:contentTypeVersion="11" ma:contentTypeDescription="Create a new document." ma:contentTypeScope="" ma:versionID="afe61b6fc7d66b9fc94ea4b6fed94eb9">
   <xsd:schema xmlns:xsd="http://www.w3.org/2001/XMLSchema" xmlns:xs="http://www.w3.org/2001/XMLSchema" xmlns:p="http://schemas.microsoft.com/office/2006/metadata/properties" xmlns:ns2="e6cba3a1-1013-472a-b3ba-ce16017401c5" xmlns:ns3="40a6561d-8ad2-48c6-b10d-6c4d8e9afc2c" targetNamespace="http://schemas.microsoft.com/office/2006/metadata/properties" ma:root="true" ma:fieldsID="9bf3c75cdcae3d05d928c745cb6b78ee" ns2:_="" ns3:_="">
     <xsd:import namespace="e6cba3a1-1013-472a-b3ba-ce16017401c5"/>
@@ -18057,12 +18487,6 @@
 </ct:contentTypeSchema>
 </file>
 
-<file path=customXml/item3.xml><?xml version="1.0" encoding="utf-8"?>
-<p:properties xmlns:p="http://schemas.microsoft.com/office/2006/metadata/properties" xmlns:xsi="http://www.w3.org/2001/XMLSchema-instance" xmlns:pc="http://schemas.microsoft.com/office/infopath/2007/PartnerControls">
-  <documentManagement/>
-</p:properties>
-</file>
-
 <file path=customXml/itemProps1.xml><?xml version="1.0" encoding="utf-8"?>
 <ds:datastoreItem xmlns:ds="http://schemas.openxmlformats.org/officeDocument/2006/customXml" ds:itemID="{0322932C-873F-4D0F-B9E0-AE16472CDC1C}">
   <ds:schemaRefs>
@@ -18072,6 +18496,22 @@
 </file>
 
 <file path=customXml/itemProps2.xml><?xml version="1.0" encoding="utf-8"?>
+<ds:datastoreItem xmlns:ds="http://schemas.openxmlformats.org/officeDocument/2006/customXml" ds:itemID="{21A68D4D-9402-4485-B11D-8DDDCEB2E4C5}">
+  <ds:schemaRefs>
+    <ds:schemaRef ds:uri="http://schemas.openxmlformats.org/package/2006/metadata/core-properties"/>
+    <ds:schemaRef ds:uri="http://purl.org/dc/dcmitype/"/>
+    <ds:schemaRef ds:uri="http://schemas.microsoft.com/office/2006/documentManagement/types"/>
+    <ds:schemaRef ds:uri="http://purl.org/dc/elements/1.1/"/>
+    <ds:schemaRef ds:uri="http://schemas.microsoft.com/office/2006/metadata/properties"/>
+    <ds:schemaRef ds:uri="http://purl.org/dc/terms/"/>
+    <ds:schemaRef ds:uri="http://schemas.microsoft.com/office/infopath/2007/PartnerControls"/>
+    <ds:schemaRef ds:uri="e13a543c-6713-4e5a-aa83-cb6a8e4cb4d2"/>
+    <ds:schemaRef ds:uri="http://www.w3.org/XML/1998/namespace"/>
+  </ds:schemaRefs>
+</ds:datastoreItem>
+</file>
+
+<file path=customXml/itemProps3.xml><?xml version="1.0" encoding="utf-8"?>
 <ds:datastoreItem xmlns:ds="http://schemas.openxmlformats.org/officeDocument/2006/customXml" ds:itemID="{4B5DEA88-B066-44AB-81E2-2A16B53C296B}">
   <ds:schemaRefs>
     <ds:schemaRef ds:uri="http://schemas.microsoft.com/office/2006/metadata/contentType"/>
@@ -18088,20 +18528,4 @@
     <ds:schemaRef ds:uri="http://schemas.microsoft.com/internal/obd"/>
   </ds:schemaRefs>
 </ds:datastoreItem>
-</file>
-
-<file path=customXml/itemProps3.xml><?xml version="1.0" encoding="utf-8"?>
-<ds:datastoreItem xmlns:ds="http://schemas.openxmlformats.org/officeDocument/2006/customXml" ds:itemID="{21A68D4D-9402-4485-B11D-8DDDCEB2E4C5}">
-  <ds:schemaRefs>
-    <ds:schemaRef ds:uri="http://schemas.openxmlformats.org/package/2006/metadata/core-properties"/>
-    <ds:schemaRef ds:uri="http://purl.org/dc/dcmitype/"/>
-    <ds:schemaRef ds:uri="http://schemas.microsoft.com/office/2006/documentManagement/types"/>
-    <ds:schemaRef ds:uri="http://purl.org/dc/elements/1.1/"/>
-    <ds:schemaRef ds:uri="http://schemas.microsoft.com/office/2006/metadata/properties"/>
-    <ds:schemaRef ds:uri="http://purl.org/dc/terms/"/>
-    <ds:schemaRef ds:uri="http://schemas.microsoft.com/office/infopath/2007/PartnerControls"/>
-    <ds:schemaRef ds:uri="e13a543c-6713-4e5a-aa83-cb6a8e4cb4d2"/>
-    <ds:schemaRef ds:uri="http://www.w3.org/XML/1998/namespace"/>
-  </ds:schemaRefs>
-</ds:datastoreItem>
 </file>